--- a/ITech_GP.pptx
+++ b/ITech_GP.pptx
@@ -15536,7 +15536,7 @@
           <a:p>
             <a:pPr rtl="0"/>
             <a:r>
-              <a:rPr lang="en-GB"/>
+              <a:rPr lang="en-GB" dirty="0"/>
               <a:t>Thank you</a:t>
             </a:r>
           </a:p>
@@ -15569,32 +15569,7 @@
           <a:lstStyle/>
           <a:p>
             <a:pPr rtl="0"/>
-            <a:r>
-              <a:rPr lang="en-GB" dirty="0"/>
-              <a:t>Presenter name</a:t>
-            </a:r>
-          </a:p>
-          <a:p>
-            <a:pPr rtl="0"/>
             <a:endParaRPr lang="en-GB" dirty="0"/>
-          </a:p>
-          <a:p>
-            <a:pPr rtl="0"/>
-            <a:r>
-              <a:rPr lang="en-GB" dirty="0"/>
-              <a:t>Email address</a:t>
-            </a:r>
-          </a:p>
-          <a:p>
-            <a:pPr rtl="0"/>
-            <a:endParaRPr lang="en-GB" dirty="0"/>
-          </a:p>
-          <a:p>
-            <a:pPr rtl="0"/>
-            <a:r>
-              <a:rPr lang="en-GB" dirty="0"/>
-              <a:t>Website</a:t>
-            </a:r>
           </a:p>
         </p:txBody>
       </p:sp>
@@ -15660,8 +15635,12 @@
           <a:p>
             <a:pPr lvl="0" rtl="0"/>
             <a:r>
-              <a:rPr lang="en-GB"/>
-              <a:t>Presentation title</a:t>
+              <a:rPr lang="en-GB" dirty="0" err="1"/>
+              <a:t>Simplify’s</a:t>
+            </a:r>
+            <a:r>
+              <a:rPr lang="en-GB" dirty="0"/>
+              <a:t> Design Specification</a:t>
             </a:r>
           </a:p>
         </p:txBody>
@@ -15728,8 +15707,8 @@
           <a:p>
             <a:pPr lvl="0" rtl="0"/>
             <a:r>
-              <a:rPr lang="en-GB"/>
-              <a:t>20XX</a:t>
+              <a:rPr lang="en-GB" dirty="0"/>
+              <a:t>2023</a:t>
             </a:r>
           </a:p>
         </p:txBody>
@@ -19082,6 +19061,15 @@
 </file>
 
 <file path=customXml/item1.xml><?xml version="1.0" encoding="utf-8"?>
+<?mso-contentType ?>
+<FormTemplates xmlns="http://schemas.microsoft.com/sharepoint/v3/contenttype/forms">
+  <Display>DocumentLibraryForm</Display>
+  <Edit>DocumentLibraryForm</Edit>
+  <New>DocumentLibraryForm</New>
+</FormTemplates>
+</file>
+
+<file path=customXml/item2.xml><?xml version="1.0" encoding="utf-8"?>
 <p:properties xmlns:p="http://schemas.microsoft.com/office/2006/metadata/properties" xmlns:xsi="http://www.w3.org/2001/XMLSchema-instance" xmlns:pc="http://schemas.microsoft.com/office/infopath/2007/PartnerControls">
   <documentManagement>
     <Status xmlns="71af3243-3dd4-4a8d-8c0d-dd76da1f02a5">Not started</Status>
@@ -19098,15 +19086,6 @@
     <MediaServiceKeyPoints xmlns="71af3243-3dd4-4a8d-8c0d-dd76da1f02a5" xsi:nil="true"/>
   </documentManagement>
 </p:properties>
-</file>
-
-<file path=customXml/item2.xml><?xml version="1.0" encoding="utf-8"?>
-<?mso-contentType ?>
-<FormTemplates xmlns="http://schemas.microsoft.com/sharepoint/v3/contenttype/forms">
-  <Display>DocumentLibraryForm</Display>
-  <Edit>DocumentLibraryForm</Edit>
-  <New>DocumentLibraryForm</New>
-</FormTemplates>
 </file>
 
 <file path=customXml/item3.xml><?xml version="1.0" encoding="utf-8"?>
@@ -19386,6 +19365,14 @@
 </file>
 
 <file path=customXml/itemProps1.xml><?xml version="1.0" encoding="utf-8"?>
+<ds:datastoreItem xmlns:ds="http://schemas.openxmlformats.org/officeDocument/2006/customXml" ds:itemID="{A5CCB28C-7D26-4A36-9CFC-D739C28F3D18}">
+  <ds:schemaRefs>
+    <ds:schemaRef ds:uri="http://schemas.microsoft.com/sharepoint/v3/contenttype/forms"/>
+  </ds:schemaRefs>
+</ds:datastoreItem>
+</file>
+
+<file path=customXml/itemProps2.xml><?xml version="1.0" encoding="utf-8"?>
 <ds:datastoreItem xmlns:ds="http://schemas.openxmlformats.org/officeDocument/2006/customXml" ds:itemID="{08757C30-AE9A-4680-90EB-19D282EC2B7C}">
   <ds:schemaRefs>
     <ds:schemaRef ds:uri="http://schemas.microsoft.com/office/2006/metadata/properties"/>
@@ -19393,14 +19380,6 @@
     <ds:schemaRef ds:uri="71af3243-3dd4-4a8d-8c0d-dd76da1f02a5"/>
     <ds:schemaRef ds:uri="http://schemas.microsoft.com/sharepoint/v3"/>
     <ds:schemaRef ds:uri="230e9df3-be65-4c73-a93b-d1236ebd677e"/>
-  </ds:schemaRefs>
-</ds:datastoreItem>
-</file>
-
-<file path=customXml/itemProps2.xml><?xml version="1.0" encoding="utf-8"?>
-<ds:datastoreItem xmlns:ds="http://schemas.openxmlformats.org/officeDocument/2006/customXml" ds:itemID="{A5CCB28C-7D26-4A36-9CFC-D739C28F3D18}">
-  <ds:schemaRefs>
-    <ds:schemaRef ds:uri="http://schemas.microsoft.com/sharepoint/v3/contenttype/forms"/>
   </ds:schemaRefs>
 </ds:datastoreItem>
 </file>

--- a/ITech_GP.pptx
+++ b/ITech_GP.pptx
@@ -4572,7 +4572,7 @@
             <a:pPr rtl="0"/>
             <a:fld id="{91B07DD3-8E0C-4A50-B5FE-ABD362AD454B}" type="datetime1">
               <a:rPr lang="en-GB" smtClean="0"/>
-              <a:t>12/02/2023</a:t>
+              <a:t>13/02/2023</a:t>
             </a:fld>
             <a:endParaRPr lang="en-GB"/>
           </a:p>
@@ -4754,7 +4754,7 @@
             <a:pPr rtl="0"/>
             <a:fld id="{6CED090A-610C-4D83-921E-93394EF804D0}" type="datetime1">
               <a:rPr lang="en-GB" noProof="0" smtClean="0"/>
-              <a:t>12/02/2023</a:t>
+              <a:t>13/02/2023</a:t>
             </a:fld>
             <a:endParaRPr lang="en-GB" noProof="0"/>
           </a:p>
@@ -16996,215 +16996,99 @@
         </p:nvSpPr>
         <p:spPr>
           <a:xfrm>
-            <a:off x="1249680" y="190500"/>
-            <a:ext cx="10036292" cy="773776"/>
-          </a:xfrm>
-        </p:spPr>
-        <p:txBody>
-          <a:bodyPr rtlCol="0">
-            <a:normAutofit fontScale="90000"/>
+            <a:off x="331788" y="875030"/>
+            <a:ext cx="2384425" cy="5068570"/>
+          </a:xfrm>
+        </p:spPr>
+        <p:txBody>
+          <a:bodyPr rtlCol="0" anchor="b">
+            <a:normAutofit/>
           </a:bodyPr>
           <a:lstStyle/>
           <a:p>
             <a:pPr rtl="0"/>
             <a:r>
+              <a:rPr lang="en-GB" sz="2600"/>
+              <a:t>High-Level System Architecture</a:t>
+            </a:r>
+          </a:p>
+        </p:txBody>
+      </p:sp>
+      <p:sp>
+        <p:nvSpPr>
+          <p:cNvPr id="7" name="Footer Placeholder 6">
+            <a:extLst>
+              <a:ext uri="{FF2B5EF4-FFF2-40B4-BE49-F238E27FC236}">
+                <a16:creationId xmlns:a16="http://schemas.microsoft.com/office/drawing/2014/main" id="{C4A3939E-B573-4FB2-AD69-18C1A75F947B}"/>
+              </a:ext>
+            </a:extLst>
+          </p:cNvPr>
+          <p:cNvSpPr>
+            <a:spLocks noGrp="1"/>
+          </p:cNvSpPr>
+          <p:nvPr>
+            <p:ph type="ftr" sz="quarter" idx="11"/>
+          </p:nvPr>
+        </p:nvSpPr>
+        <p:spPr>
+          <a:xfrm>
+            <a:off x="199277" y="6356350"/>
+            <a:ext cx="2771138" cy="365125"/>
+          </a:xfrm>
+        </p:spPr>
+        <p:txBody>
+          <a:bodyPr rtlCol="0" anchor="ctr">
+            <a:normAutofit/>
+          </a:bodyPr>
+          <a:lstStyle/>
+          <a:p>
+            <a:pPr lvl="0" rtl="0">
+              <a:spcAft>
+                <a:spcPts val="600"/>
+              </a:spcAft>
+            </a:pPr>
+            <a:r>
+              <a:rPr lang="en-GB" dirty="0" err="1"/>
+              <a:t>Simplify’s</a:t>
+            </a:r>
+            <a:r>
               <a:rPr lang="en-GB" dirty="0"/>
-              <a:t>High-Level System Architecture</a:t>
-            </a:r>
-          </a:p>
-        </p:txBody>
-      </p:sp>
-      <p:sp>
-        <p:nvSpPr>
-          <p:cNvPr id="14" name="Text Placeholder 13">
-            <a:extLst>
-              <a:ext uri="{FF2B5EF4-FFF2-40B4-BE49-F238E27FC236}">
-                <a16:creationId xmlns:a16="http://schemas.microsoft.com/office/drawing/2014/main" id="{61A6601B-A3E2-47A2-B731-4FE03C43E2B0}"/>
-              </a:ext>
-            </a:extLst>
-          </p:cNvPr>
-          <p:cNvSpPr>
-            <a:spLocks noGrp="1"/>
-          </p:cNvSpPr>
-          <p:nvPr>
-            <p:ph type="body" sz="quarter" idx="14"/>
-          </p:nvPr>
-        </p:nvSpPr>
-        <p:spPr>
-          <a:xfrm>
-            <a:off x="1209243" y="1764139"/>
-            <a:ext cx="4756714" cy="597604"/>
-          </a:xfrm>
-        </p:spPr>
-        <p:txBody>
-          <a:bodyPr rtlCol="0"/>
-          <a:lstStyle/>
-          <a:p>
-            <a:pPr rtl="0"/>
-            <a:r>
-              <a:rPr lang="en-GB" dirty="0"/>
-              <a:t>Subtitle</a:t>
-            </a:r>
-          </a:p>
-        </p:txBody>
-      </p:sp>
-      <p:sp>
-        <p:nvSpPr>
-          <p:cNvPr id="13" name="Content Placeholder 12">
-            <a:extLst>
-              <a:ext uri="{FF2B5EF4-FFF2-40B4-BE49-F238E27FC236}">
-                <a16:creationId xmlns:a16="http://schemas.microsoft.com/office/drawing/2014/main" id="{ABAEE544-8FB3-4E56-91A9-A6964539DCB7}"/>
-              </a:ext>
-            </a:extLst>
-          </p:cNvPr>
-          <p:cNvSpPr>
-            <a:spLocks noGrp="1"/>
-          </p:cNvSpPr>
-          <p:nvPr>
-            <p:ph type="body" sz="quarter" idx="17"/>
-          </p:nvPr>
-        </p:nvSpPr>
-        <p:spPr>
-          <a:xfrm>
-            <a:off x="1209243" y="2374900"/>
-            <a:ext cx="4756714" cy="3365500"/>
-          </a:xfrm>
-        </p:spPr>
-        <p:txBody>
-          <a:bodyPr rtlCol="0"/>
-          <a:lstStyle/>
-          <a:p>
-            <a:pPr rtl="0"/>
-            <a:r>
-              <a:rPr lang="en-GB" dirty="0"/>
-              <a:t>Add text, images, art, and videos. </a:t>
-            </a:r>
-          </a:p>
-          <a:p>
-            <a:pPr rtl="0"/>
-            <a:r>
-              <a:rPr lang="en-GB" dirty="0"/>
-              <a:t>Add transitions, animations, and motion. </a:t>
-            </a:r>
-          </a:p>
-          <a:p>
-            <a:pPr rtl="0"/>
-            <a:r>
-              <a:rPr lang="en-GB" dirty="0"/>
-              <a:t>Save to OneDrive, to get to your presentations from your computer, tablet, or phone. </a:t>
-            </a:r>
-          </a:p>
-        </p:txBody>
-      </p:sp>
-      <p:sp>
-        <p:nvSpPr>
-          <p:cNvPr id="16" name="Text Placeholder 15">
-            <a:extLst>
-              <a:ext uri="{FF2B5EF4-FFF2-40B4-BE49-F238E27FC236}">
-                <a16:creationId xmlns:a16="http://schemas.microsoft.com/office/drawing/2014/main" id="{1ADD5DF7-575E-4C10-815E-CDBBFAB583BF}"/>
-              </a:ext>
-            </a:extLst>
-          </p:cNvPr>
-          <p:cNvSpPr>
-            <a:spLocks noGrp="1"/>
-          </p:cNvSpPr>
-          <p:nvPr>
-            <p:ph type="body" sz="quarter" idx="16"/>
-          </p:nvPr>
-        </p:nvSpPr>
-        <p:spPr>
-          <a:xfrm>
-            <a:off x="6257467" y="1764031"/>
-            <a:ext cx="4756714" cy="597604"/>
-          </a:xfrm>
-        </p:spPr>
-        <p:txBody>
-          <a:bodyPr rtlCol="0"/>
-          <a:lstStyle/>
-          <a:p>
-            <a:pPr rtl="0"/>
-            <a:r>
-              <a:rPr lang="en-GB" dirty="0"/>
-              <a:t>Subtitle</a:t>
-            </a:r>
-          </a:p>
-        </p:txBody>
-      </p:sp>
-      <p:sp>
-        <p:nvSpPr>
-          <p:cNvPr id="15" name="Content Placeholder 14">
-            <a:extLst>
-              <a:ext uri="{FF2B5EF4-FFF2-40B4-BE49-F238E27FC236}">
-                <a16:creationId xmlns:a16="http://schemas.microsoft.com/office/drawing/2014/main" id="{A13BE1C0-386B-47CB-BDCE-A24D9918AEEF}"/>
-              </a:ext>
-            </a:extLst>
-          </p:cNvPr>
-          <p:cNvSpPr>
-            <a:spLocks noGrp="1"/>
-          </p:cNvSpPr>
-          <p:nvPr>
-            <p:ph type="body" sz="quarter" idx="18"/>
-          </p:nvPr>
-        </p:nvSpPr>
-        <p:spPr>
-          <a:xfrm>
-            <a:off x="6257467" y="2374900"/>
-            <a:ext cx="4756714" cy="3365500"/>
-          </a:xfrm>
-        </p:spPr>
-        <p:txBody>
-          <a:bodyPr rtlCol="0"/>
-          <a:lstStyle/>
-          <a:p>
-            <a:pPr rtl="0"/>
-            <a:r>
-              <a:rPr lang="en-GB" dirty="0"/>
-              <a:t>Open the Design Ideas pane for instant slide makeovers. </a:t>
-            </a:r>
-          </a:p>
-          <a:p>
-            <a:pPr rtl="0"/>
-            <a:r>
-              <a:rPr lang="en-GB" dirty="0"/>
-              <a:t>When we have design ideas, we’ll show them to you right there. </a:t>
-            </a:r>
-          </a:p>
-        </p:txBody>
-      </p:sp>
-      <p:sp>
-        <p:nvSpPr>
-          <p:cNvPr id="7" name="Footer Placeholder 6">
-            <a:extLst>
-              <a:ext uri="{FF2B5EF4-FFF2-40B4-BE49-F238E27FC236}">
-                <a16:creationId xmlns:a16="http://schemas.microsoft.com/office/drawing/2014/main" id="{C4A3939E-B573-4FB2-AD69-18C1A75F947B}"/>
-              </a:ext>
-            </a:extLst>
-          </p:cNvPr>
-          <p:cNvSpPr>
-            <a:spLocks noGrp="1"/>
-          </p:cNvSpPr>
-          <p:nvPr>
-            <p:ph type="ftr" sz="quarter" idx="11"/>
-          </p:nvPr>
-        </p:nvSpPr>
-        <p:spPr>
-          <a:xfrm>
-            <a:off x="201168" y="6356350"/>
-            <a:ext cx="4837176" cy="365125"/>
-          </a:xfrm>
-        </p:spPr>
-        <p:txBody>
-          <a:bodyPr rtlCol="0"/>
-          <a:lstStyle/>
-          <a:p>
-            <a:pPr lvl="0" rtl="0"/>
-            <a:r>
-              <a:rPr lang="en-GB"/>
-              <a:t>Presentation title</a:t>
-            </a:r>
-          </a:p>
-        </p:txBody>
-      </p:sp>
+              <a:t> Design Specification</a:t>
+            </a:r>
+          </a:p>
+        </p:txBody>
+      </p:sp>
+      <p:pic>
+        <p:nvPicPr>
+          <p:cNvPr id="18" name="Picture 17" descr="Graphical user interface, diagram&#10;&#10;Description automatically generated">
+            <a:extLst>
+              <a:ext uri="{FF2B5EF4-FFF2-40B4-BE49-F238E27FC236}">
+                <a16:creationId xmlns:a16="http://schemas.microsoft.com/office/drawing/2014/main" id="{C10568F5-E071-0DA0-296C-80ECCD061D86}"/>
+              </a:ext>
+            </a:extLst>
+          </p:cNvPr>
+          <p:cNvPicPr>
+            <a:picLocks noChangeAspect="1"/>
+          </p:cNvPicPr>
+          <p:nvPr/>
+        </p:nvPicPr>
+        <p:blipFill>
+          <a:blip r:embed="rId3"/>
+          <a:stretch>
+            <a:fillRect/>
+          </a:stretch>
+        </p:blipFill>
+        <p:spPr>
+          <a:xfrm>
+            <a:off x="3302000" y="1013270"/>
+            <a:ext cx="8607425" cy="4475860"/>
+          </a:xfrm>
+          <a:prstGeom prst="rect">
+            <a:avLst/>
+          </a:prstGeom>
+          <a:noFill/>
+        </p:spPr>
+      </p:pic>
       <p:sp>
         <p:nvSpPr>
           <p:cNvPr id="6" name="Date Placeholder 5">
@@ -17228,13 +17112,23 @@
           </a:xfrm>
         </p:spPr>
         <p:txBody>
-          <a:bodyPr rtlCol="0"/>
+          <a:bodyPr rtlCol="0" anchor="ctr">
+            <a:normAutofit/>
+          </a:bodyPr>
           <a:lstStyle/>
           <a:p>
-            <a:pPr lvl="0" rtl="0"/>
-            <a:r>
-              <a:rPr lang="en-GB"/>
-              <a:t>20XX</a:t>
+            <a:pPr lvl="0" rtl="0">
+              <a:spcAft>
+                <a:spcPts val="600"/>
+              </a:spcAft>
+            </a:pPr>
+            <a:r>
+              <a:rPr lang="en-GB" dirty="0">
+                <a:solidFill>
+                  <a:prstClr val="black"/>
+                </a:solidFill>
+              </a:rPr>
+              <a:t>2023</a:t>
             </a:r>
           </a:p>
         </p:txBody>
@@ -17262,16 +17156,34 @@
           </a:xfrm>
         </p:spPr>
         <p:txBody>
-          <a:bodyPr rtlCol="0"/>
+          <a:bodyPr rtlCol="0" anchor="ctr">
+            <a:normAutofit/>
+          </a:bodyPr>
           <a:lstStyle/>
           <a:p>
-            <a:pPr lvl="0" rtl="0"/>
+            <a:pPr lvl="0" rtl="0">
+              <a:spcAft>
+                <a:spcPts val="600"/>
+              </a:spcAft>
+            </a:pPr>
             <a:fld id="{06B786C7-B8F9-4072-AAAA-17258464D730}" type="slidenum">
-              <a:rPr lang="en-GB" smtClean="0"/>
-              <a:pPr lvl="0" rtl="0"/>
+              <a:rPr lang="en-GB" smtClean="0">
+                <a:solidFill>
+                  <a:prstClr val="black"/>
+                </a:solidFill>
+              </a:rPr>
+              <a:pPr lvl="0" rtl="0">
+                <a:spcAft>
+                  <a:spcPts val="600"/>
+                </a:spcAft>
+              </a:pPr>
               <a:t>6</a:t>
             </a:fld>
-            <a:endParaRPr lang="en-GB"/>
+            <a:endParaRPr lang="en-GB">
+              <a:solidFill>
+                <a:prstClr val="black"/>
+              </a:solidFill>
+            </a:endParaRPr>
           </a:p>
         </p:txBody>
       </p:sp>
@@ -19061,34 +18973,6 @@
 </file>
 
 <file path=customXml/item1.xml><?xml version="1.0" encoding="utf-8"?>
-<?mso-contentType ?>
-<FormTemplates xmlns="http://schemas.microsoft.com/sharepoint/v3/contenttype/forms">
-  <Display>DocumentLibraryForm</Display>
-  <Edit>DocumentLibraryForm</Edit>
-  <New>DocumentLibraryForm</New>
-</FormTemplates>
-</file>
-
-<file path=customXml/item2.xml><?xml version="1.0" encoding="utf-8"?>
-<p:properties xmlns:p="http://schemas.microsoft.com/office/2006/metadata/properties" xmlns:xsi="http://www.w3.org/2001/XMLSchema-instance" xmlns:pc="http://schemas.microsoft.com/office/infopath/2007/PartnerControls">
-  <documentManagement>
-    <Status xmlns="71af3243-3dd4-4a8d-8c0d-dd76da1f02a5">Not started</Status>
-    <_ip_UnifiedCompliancePolicyUIAction xmlns="http://schemas.microsoft.com/sharepoint/v3" xsi:nil="true"/>
-    <Image xmlns="71af3243-3dd4-4a8d-8c0d-dd76da1f02a5">
-      <Url xsi:nil="true"/>
-      <Description xsi:nil="true"/>
-    </Image>
-    <_ip_UnifiedCompliancePolicyProperties xmlns="http://schemas.microsoft.com/sharepoint/v3" xsi:nil="true"/>
-    <ImageTagsTaxHTField xmlns="71af3243-3dd4-4a8d-8c0d-dd76da1f02a5">
-      <Terms xmlns="http://schemas.microsoft.com/office/infopath/2007/PartnerControls"/>
-    </ImageTagsTaxHTField>
-    <TaxCatchAll xmlns="230e9df3-be65-4c73-a93b-d1236ebd677e"/>
-    <MediaServiceKeyPoints xmlns="71af3243-3dd4-4a8d-8c0d-dd76da1f02a5" xsi:nil="true"/>
-  </documentManagement>
-</p:properties>
-</file>
-
-<file path=customXml/item3.xml><?xml version="1.0" encoding="utf-8"?>
 <ct:contentTypeSchema xmlns:ct="http://schemas.microsoft.com/office/2006/metadata/contentType" xmlns:ma="http://schemas.microsoft.com/office/2006/metadata/properties/metaAttributes" ct:_="" ma:_="" ma:contentTypeName="Document" ma:contentTypeID="0x01010079F111ED35F8CC479449609E8A0923A6" ma:contentTypeVersion="20" ma:contentTypeDescription="Create a new document." ma:contentTypeScope="" ma:versionID="1267097ee5f5874adfcc408041ae252e">
   <xsd:schema xmlns:xsd="http://www.w3.org/2001/XMLSchema" xmlns:xs="http://www.w3.org/2001/XMLSchema" xmlns:p="http://schemas.microsoft.com/office/2006/metadata/properties" xmlns:ns1="http://schemas.microsoft.com/sharepoint/v3" xmlns:ns2="71af3243-3dd4-4a8d-8c0d-dd76da1f02a5" xmlns:ns3="16c05727-aa75-4e4a-9b5f-8a80a1165891" xmlns:ns4="230e9df3-be65-4c73-a93b-d1236ebd677e" targetNamespace="http://schemas.microsoft.com/office/2006/metadata/properties" ma:root="true" ma:fieldsID="395891a93df65b14727750f2c06c306c" ns1:_="" ns2:_="" ns3:_="" ns4:_="">
     <xsd:import namespace="http://schemas.microsoft.com/sharepoint/v3"/>
@@ -19364,27 +19248,35 @@
 </ct:contentTypeSchema>
 </file>
 
-<file path=customXml/itemProps1.xml><?xml version="1.0" encoding="utf-8"?>
-<ds:datastoreItem xmlns:ds="http://schemas.openxmlformats.org/officeDocument/2006/customXml" ds:itemID="{A5CCB28C-7D26-4A36-9CFC-D739C28F3D18}">
-  <ds:schemaRefs>
-    <ds:schemaRef ds:uri="http://schemas.microsoft.com/sharepoint/v3/contenttype/forms"/>
-  </ds:schemaRefs>
-</ds:datastoreItem>
+<file path=customXml/item2.xml><?xml version="1.0" encoding="utf-8"?>
+<p:properties xmlns:p="http://schemas.microsoft.com/office/2006/metadata/properties" xmlns:xsi="http://www.w3.org/2001/XMLSchema-instance" xmlns:pc="http://schemas.microsoft.com/office/infopath/2007/PartnerControls">
+  <documentManagement>
+    <Status xmlns="71af3243-3dd4-4a8d-8c0d-dd76da1f02a5">Not started</Status>
+    <_ip_UnifiedCompliancePolicyUIAction xmlns="http://schemas.microsoft.com/sharepoint/v3" xsi:nil="true"/>
+    <Image xmlns="71af3243-3dd4-4a8d-8c0d-dd76da1f02a5">
+      <Url xsi:nil="true"/>
+      <Description xsi:nil="true"/>
+    </Image>
+    <_ip_UnifiedCompliancePolicyProperties xmlns="http://schemas.microsoft.com/sharepoint/v3" xsi:nil="true"/>
+    <ImageTagsTaxHTField xmlns="71af3243-3dd4-4a8d-8c0d-dd76da1f02a5">
+      <Terms xmlns="http://schemas.microsoft.com/office/infopath/2007/PartnerControls"/>
+    </ImageTagsTaxHTField>
+    <TaxCatchAll xmlns="230e9df3-be65-4c73-a93b-d1236ebd677e"/>
+    <MediaServiceKeyPoints xmlns="71af3243-3dd4-4a8d-8c0d-dd76da1f02a5" xsi:nil="true"/>
+  </documentManagement>
+</p:properties>
 </file>
 
-<file path=customXml/itemProps2.xml><?xml version="1.0" encoding="utf-8"?>
-<ds:datastoreItem xmlns:ds="http://schemas.openxmlformats.org/officeDocument/2006/customXml" ds:itemID="{08757C30-AE9A-4680-90EB-19D282EC2B7C}">
-  <ds:schemaRefs>
-    <ds:schemaRef ds:uri="http://schemas.microsoft.com/office/2006/metadata/properties"/>
-    <ds:schemaRef ds:uri="http://schemas.microsoft.com/office/infopath/2007/PartnerControls"/>
-    <ds:schemaRef ds:uri="71af3243-3dd4-4a8d-8c0d-dd76da1f02a5"/>
-    <ds:schemaRef ds:uri="http://schemas.microsoft.com/sharepoint/v3"/>
-    <ds:schemaRef ds:uri="230e9df3-be65-4c73-a93b-d1236ebd677e"/>
-  </ds:schemaRefs>
-</ds:datastoreItem>
+<file path=customXml/item3.xml><?xml version="1.0" encoding="utf-8"?>
+<?mso-contentType ?>
+<FormTemplates xmlns="http://schemas.microsoft.com/sharepoint/v3/contenttype/forms">
+  <Display>DocumentLibraryForm</Display>
+  <Edit>DocumentLibraryForm</Edit>
+  <New>DocumentLibraryForm</New>
+</FormTemplates>
 </file>
 
-<file path=customXml/itemProps3.xml><?xml version="1.0" encoding="utf-8"?>
+<file path=customXml/itemProps1.xml><?xml version="1.0" encoding="utf-8"?>
 <ds:datastoreItem xmlns:ds="http://schemas.openxmlformats.org/officeDocument/2006/customXml" ds:itemID="{0AF0BF08-C674-44E3-8BFC-85BC65E095F1}">
   <ds:schemaRefs>
     <ds:schemaRef ds:uri="http://schemas.microsoft.com/office/2006/metadata/contentType"/>
@@ -19405,6 +19297,26 @@
 </ds:datastoreItem>
 </file>
 
+<file path=customXml/itemProps2.xml><?xml version="1.0" encoding="utf-8"?>
+<ds:datastoreItem xmlns:ds="http://schemas.openxmlformats.org/officeDocument/2006/customXml" ds:itemID="{08757C30-AE9A-4680-90EB-19D282EC2B7C}">
+  <ds:schemaRefs>
+    <ds:schemaRef ds:uri="http://schemas.microsoft.com/office/2006/metadata/properties"/>
+    <ds:schemaRef ds:uri="http://schemas.microsoft.com/office/infopath/2007/PartnerControls"/>
+    <ds:schemaRef ds:uri="71af3243-3dd4-4a8d-8c0d-dd76da1f02a5"/>
+    <ds:schemaRef ds:uri="http://schemas.microsoft.com/sharepoint/v3"/>
+    <ds:schemaRef ds:uri="230e9df3-be65-4c73-a93b-d1236ebd677e"/>
+  </ds:schemaRefs>
+</ds:datastoreItem>
+</file>
+
+<file path=customXml/itemProps3.xml><?xml version="1.0" encoding="utf-8"?>
+<ds:datastoreItem xmlns:ds="http://schemas.openxmlformats.org/officeDocument/2006/customXml" ds:itemID="{A5CCB28C-7D26-4A36-9CFC-D739C28F3D18}">
+  <ds:schemaRefs>
+    <ds:schemaRef ds:uri="http://schemas.microsoft.com/sharepoint/v3/contenttype/forms"/>
+  </ds:schemaRefs>
+</ds:datastoreItem>
+</file>
+
 <file path=docMetadata/LabelInfo.xml><?xml version="1.0" encoding="utf-8"?>
 <clbl:labelList xmlns:clbl="http://schemas.microsoft.com/office/2020/mipLabelMetadata">
   <clbl:label id="{f42aa342-8706-4288-bd11-ebb85995028c}" enabled="1" method="Standard" siteId="{72f988bf-86f1-41af-91ab-2d7cd011db47}" contentBits="0" removed="0"/>

--- a/ITech_GP.pptx
+++ b/ITech_GP.pptx
@@ -16689,225 +16689,72 @@
       </p:sp>
       <p:sp>
         <p:nvSpPr>
-          <p:cNvPr id="14" name="Text Placeholder 13">
-            <a:extLst>
-              <a:ext uri="{FF2B5EF4-FFF2-40B4-BE49-F238E27FC236}">
-                <a16:creationId xmlns:a16="http://schemas.microsoft.com/office/drawing/2014/main" id="{61A6601B-A3E2-47A2-B731-4FE03C43E2B0}"/>
-              </a:ext>
-            </a:extLst>
-          </p:cNvPr>
-          <p:cNvSpPr>
-            <a:spLocks noGrp="1"/>
-          </p:cNvSpPr>
-          <p:nvPr>
-            <p:ph type="body" sz="quarter" idx="14"/>
-          </p:nvPr>
-        </p:nvSpPr>
-        <p:spPr>
-          <a:xfrm>
-            <a:off x="1209243" y="1764139"/>
-            <a:ext cx="4756714" cy="597604"/>
+          <p:cNvPr id="7" name="Footer Placeholder 6">
+            <a:extLst>
+              <a:ext uri="{FF2B5EF4-FFF2-40B4-BE49-F238E27FC236}">
+                <a16:creationId xmlns:a16="http://schemas.microsoft.com/office/drawing/2014/main" id="{C4A3939E-B573-4FB2-AD69-18C1A75F947B}"/>
+              </a:ext>
+            </a:extLst>
+          </p:cNvPr>
+          <p:cNvSpPr>
+            <a:spLocks noGrp="1"/>
+          </p:cNvSpPr>
+          <p:nvPr>
+            <p:ph type="ftr" sz="quarter" idx="11"/>
+          </p:nvPr>
+        </p:nvSpPr>
+        <p:spPr>
+          <a:xfrm>
+            <a:off x="201168" y="6356350"/>
+            <a:ext cx="4837176" cy="365125"/>
           </a:xfrm>
         </p:spPr>
         <p:txBody>
           <a:bodyPr rtlCol="0"/>
           <a:lstStyle/>
           <a:p>
-            <a:pPr rtl="0"/>
+            <a:pPr lvl="0" rtl="0"/>
+            <a:r>
+              <a:rPr lang="en-GB" dirty="0" err="1"/>
+              <a:t>Simplify’s</a:t>
+            </a:r>
             <a:r>
               <a:rPr lang="en-GB" dirty="0"/>
-              <a:t>Subtitle</a:t>
-            </a:r>
-          </a:p>
-        </p:txBody>
-      </p:sp>
-      <p:sp>
-        <p:nvSpPr>
-          <p:cNvPr id="13" name="Content Placeholder 12">
-            <a:extLst>
-              <a:ext uri="{FF2B5EF4-FFF2-40B4-BE49-F238E27FC236}">
-                <a16:creationId xmlns:a16="http://schemas.microsoft.com/office/drawing/2014/main" id="{ABAEE544-8FB3-4E56-91A9-A6964539DCB7}"/>
-              </a:ext>
-            </a:extLst>
-          </p:cNvPr>
-          <p:cNvSpPr>
-            <a:spLocks noGrp="1"/>
-          </p:cNvSpPr>
-          <p:nvPr>
-            <p:ph type="body" sz="quarter" idx="17"/>
-          </p:nvPr>
-        </p:nvSpPr>
-        <p:spPr>
-          <a:xfrm>
-            <a:off x="1209243" y="2374900"/>
-            <a:ext cx="4756714" cy="3365500"/>
+              <a:t> Design Specification</a:t>
+            </a:r>
+          </a:p>
+        </p:txBody>
+      </p:sp>
+      <p:sp>
+        <p:nvSpPr>
+          <p:cNvPr id="6" name="Date Placeholder 5">
+            <a:extLst>
+              <a:ext uri="{FF2B5EF4-FFF2-40B4-BE49-F238E27FC236}">
+                <a16:creationId xmlns:a16="http://schemas.microsoft.com/office/drawing/2014/main" id="{6EF65B39-4112-473E-B203-73AC0F564D47}"/>
+              </a:ext>
+            </a:extLst>
+          </p:cNvPr>
+          <p:cNvSpPr>
+            <a:spLocks noGrp="1"/>
+          </p:cNvSpPr>
+          <p:nvPr>
+            <p:ph type="dt" sz="half" idx="10"/>
+          </p:nvPr>
+        </p:nvSpPr>
+        <p:spPr>
+          <a:xfrm>
+            <a:off x="7013448" y="6355080"/>
+            <a:ext cx="4352544" cy="365125"/>
           </a:xfrm>
         </p:spPr>
         <p:txBody>
           <a:bodyPr rtlCol="0"/>
           <a:lstStyle/>
           <a:p>
-            <a:pPr rtl="0"/>
+            <a:pPr lvl="0" rtl="0"/>
             <a:r>
               <a:rPr lang="en-GB" dirty="0"/>
-              <a:t>Add text, images, art, and videos. </a:t>
-            </a:r>
-          </a:p>
-          <a:p>
-            <a:pPr rtl="0"/>
-            <a:r>
-              <a:rPr lang="en-GB" dirty="0"/>
-              <a:t>Add transitions, animations, and motion. </a:t>
-            </a:r>
-          </a:p>
-          <a:p>
-            <a:pPr rtl="0"/>
-            <a:r>
-              <a:rPr lang="en-GB" dirty="0"/>
-              <a:t>Save to OneDrive, to get to your presentations from your computer, tablet, or phone. </a:t>
-            </a:r>
-          </a:p>
-        </p:txBody>
-      </p:sp>
-      <p:sp>
-        <p:nvSpPr>
-          <p:cNvPr id="16" name="Text Placeholder 15">
-            <a:extLst>
-              <a:ext uri="{FF2B5EF4-FFF2-40B4-BE49-F238E27FC236}">
-                <a16:creationId xmlns:a16="http://schemas.microsoft.com/office/drawing/2014/main" id="{1ADD5DF7-575E-4C10-815E-CDBBFAB583BF}"/>
-              </a:ext>
-            </a:extLst>
-          </p:cNvPr>
-          <p:cNvSpPr>
-            <a:spLocks noGrp="1"/>
-          </p:cNvSpPr>
-          <p:nvPr>
-            <p:ph type="body" sz="quarter" idx="16"/>
-          </p:nvPr>
-        </p:nvSpPr>
-        <p:spPr>
-          <a:xfrm>
-            <a:off x="6257467" y="1764031"/>
-            <a:ext cx="4756714" cy="597604"/>
-          </a:xfrm>
-        </p:spPr>
-        <p:txBody>
-          <a:bodyPr rtlCol="0"/>
-          <a:lstStyle/>
-          <a:p>
-            <a:pPr rtl="0"/>
-            <a:r>
-              <a:rPr lang="en-GB" dirty="0"/>
-              <a:t>Subtitle</a:t>
-            </a:r>
-          </a:p>
-        </p:txBody>
-      </p:sp>
-      <p:sp>
-        <p:nvSpPr>
-          <p:cNvPr id="15" name="Content Placeholder 14">
-            <a:extLst>
-              <a:ext uri="{FF2B5EF4-FFF2-40B4-BE49-F238E27FC236}">
-                <a16:creationId xmlns:a16="http://schemas.microsoft.com/office/drawing/2014/main" id="{A13BE1C0-386B-47CB-BDCE-A24D9918AEEF}"/>
-              </a:ext>
-            </a:extLst>
-          </p:cNvPr>
-          <p:cNvSpPr>
-            <a:spLocks noGrp="1"/>
-          </p:cNvSpPr>
-          <p:nvPr>
-            <p:ph type="body" sz="quarter" idx="18"/>
-          </p:nvPr>
-        </p:nvSpPr>
-        <p:spPr>
-          <a:xfrm>
-            <a:off x="6257467" y="2374900"/>
-            <a:ext cx="4756714" cy="3365500"/>
-          </a:xfrm>
-        </p:spPr>
-        <p:txBody>
-          <a:bodyPr rtlCol="0"/>
-          <a:lstStyle/>
-          <a:p>
-            <a:pPr rtl="0"/>
-            <a:r>
-              <a:rPr lang="en-GB" dirty="0"/>
-              <a:t>Open the Design Ideas pane for instant slide makeovers. </a:t>
-            </a:r>
-          </a:p>
-          <a:p>
-            <a:pPr rtl="0"/>
-            <a:r>
-              <a:rPr lang="en-GB" dirty="0"/>
-              <a:t>When we have design ideas, we’ll show them to you right there. </a:t>
-            </a:r>
-          </a:p>
-        </p:txBody>
-      </p:sp>
-      <p:sp>
-        <p:nvSpPr>
-          <p:cNvPr id="7" name="Footer Placeholder 6">
-            <a:extLst>
-              <a:ext uri="{FF2B5EF4-FFF2-40B4-BE49-F238E27FC236}">
-                <a16:creationId xmlns:a16="http://schemas.microsoft.com/office/drawing/2014/main" id="{C4A3939E-B573-4FB2-AD69-18C1A75F947B}"/>
-              </a:ext>
-            </a:extLst>
-          </p:cNvPr>
-          <p:cNvSpPr>
-            <a:spLocks noGrp="1"/>
-          </p:cNvSpPr>
-          <p:nvPr>
-            <p:ph type="ftr" sz="quarter" idx="11"/>
-          </p:nvPr>
-        </p:nvSpPr>
-        <p:spPr>
-          <a:xfrm>
-            <a:off x="201168" y="6356350"/>
-            <a:ext cx="4837176" cy="365125"/>
-          </a:xfrm>
-        </p:spPr>
-        <p:txBody>
-          <a:bodyPr rtlCol="0"/>
-          <a:lstStyle/>
-          <a:p>
-            <a:pPr lvl="0" rtl="0"/>
-            <a:r>
-              <a:rPr lang="en-GB"/>
-              <a:t>Presentation title</a:t>
-            </a:r>
-          </a:p>
-        </p:txBody>
-      </p:sp>
-      <p:sp>
-        <p:nvSpPr>
-          <p:cNvPr id="6" name="Date Placeholder 5">
-            <a:extLst>
-              <a:ext uri="{FF2B5EF4-FFF2-40B4-BE49-F238E27FC236}">
-                <a16:creationId xmlns:a16="http://schemas.microsoft.com/office/drawing/2014/main" id="{6EF65B39-4112-473E-B203-73AC0F564D47}"/>
-              </a:ext>
-            </a:extLst>
-          </p:cNvPr>
-          <p:cNvSpPr>
-            <a:spLocks noGrp="1"/>
-          </p:cNvSpPr>
-          <p:nvPr>
-            <p:ph type="dt" sz="half" idx="10"/>
-          </p:nvPr>
-        </p:nvSpPr>
-        <p:spPr>
-          <a:xfrm>
-            <a:off x="7013448" y="6355080"/>
-            <a:ext cx="4352544" cy="365125"/>
-          </a:xfrm>
-        </p:spPr>
-        <p:txBody>
-          <a:bodyPr rtlCol="0"/>
-          <a:lstStyle/>
-          <a:p>
-            <a:pPr lvl="0" rtl="0"/>
-            <a:r>
-              <a:rPr lang="en-GB"/>
-              <a:t>20XX</a:t>
+              <a:t>2023</a:t>
             </a:r>
           </a:p>
         </p:txBody>
@@ -16945,6 +16792,105 @@
               <a:t>5</a:t>
             </a:fld>
             <a:endParaRPr lang="en-GB"/>
+          </a:p>
+        </p:txBody>
+      </p:sp>
+      <p:sp>
+        <p:nvSpPr>
+          <p:cNvPr id="18" name="TextBox 17">
+            <a:extLst>
+              <a:ext uri="{FF2B5EF4-FFF2-40B4-BE49-F238E27FC236}">
+                <a16:creationId xmlns:a16="http://schemas.microsoft.com/office/drawing/2014/main" id="{2A11F454-C1DE-9EA7-DA63-CF7DA1837D1B}"/>
+              </a:ext>
+            </a:extLst>
+          </p:cNvPr>
+          <p:cNvSpPr txBox="1"/>
+          <p:nvPr/>
+        </p:nvSpPr>
+        <p:spPr>
+          <a:xfrm>
+            <a:off x="167816" y="1182330"/>
+            <a:ext cx="11823016" cy="5355312"/>
+          </a:xfrm>
+          <a:prstGeom prst="rect">
+            <a:avLst/>
+          </a:prstGeom>
+          <a:noFill/>
+        </p:spPr>
+        <p:txBody>
+          <a:bodyPr wrap="square">
+            <a:spAutoFit/>
+          </a:bodyPr>
+          <a:lstStyle/>
+          <a:p>
+            <a:pPr rtl="0"/>
+            <a:r>
+              <a:rPr lang="en-GB" dirty="0"/>
+              <a:t>User authentication: The platform should provide the users; students and tutors a management system to login or register using google or a registration form. The user should be able to register as a student or a tutor.</a:t>
+            </a:r>
+          </a:p>
+          <a:p>
+            <a:pPr rtl="0"/>
+            <a:r>
+              <a:rPr lang="en-GB" dirty="0"/>
+              <a:t>User based dashboard: The platform should distinguish between a tutor and a student, with access being given to the student for only the student specific pages.</a:t>
+            </a:r>
+          </a:p>
+          <a:p>
+            <a:pPr rtl="0"/>
+            <a:endParaRPr lang="en-GB" dirty="0"/>
+          </a:p>
+          <a:p>
+            <a:pPr rtl="0"/>
+            <a:r>
+              <a:rPr lang="en-GB" dirty="0"/>
+              <a:t>Course management: The platform should have a user-friendly environment that allows the tutors to create a course, add pre-existing courses, and publish course materials including slides, pdfs, images and videos.</a:t>
+            </a:r>
+          </a:p>
+          <a:p>
+            <a:pPr rtl="0"/>
+            <a:endParaRPr lang="en-GB" dirty="0"/>
+          </a:p>
+          <a:p>
+            <a:pPr rtl="0"/>
+            <a:r>
+              <a:rPr lang="en-GB" dirty="0"/>
+              <a:t>Course accessibility: The platform should provide the student access to view all the course material and submit course work.</a:t>
+            </a:r>
+          </a:p>
+          <a:p>
+            <a:pPr rtl="0"/>
+            <a:endParaRPr lang="en-GB" dirty="0"/>
+          </a:p>
+          <a:p>
+            <a:pPr rtl="0"/>
+            <a:r>
+              <a:rPr lang="en-GB" dirty="0"/>
+              <a:t>Personalization: The platform should provide the student the option to enrol for more than 1 course at a time and track the progress of each course.</a:t>
+            </a:r>
+          </a:p>
+          <a:p>
+            <a:pPr rtl="0"/>
+            <a:endParaRPr lang="en-GB" dirty="0"/>
+          </a:p>
+          <a:p>
+            <a:pPr rtl="0"/>
+            <a:r>
+              <a:rPr lang="en-GB" dirty="0"/>
+              <a:t>Interactive learning: The courses within the platform should include various tools for learning such as forums for posting questions and a blog with an overview of the course.</a:t>
+            </a:r>
+          </a:p>
+          <a:p>
+            <a:pPr rtl="0"/>
+            <a:endParaRPr lang="en-GB" dirty="0"/>
+          </a:p>
+          <a:p>
+            <a:pPr rtl="0"/>
+            <a:endParaRPr lang="en-GB" dirty="0"/>
+          </a:p>
+          <a:p>
+            <a:pPr rtl="0"/>
+            <a:endParaRPr lang="en-GB" dirty="0"/>
           </a:p>
         </p:txBody>
       </p:sp>
@@ -18973,6 +18919,25 @@
 </file>
 
 <file path=customXml/item1.xml><?xml version="1.0" encoding="utf-8"?>
+<p:properties xmlns:p="http://schemas.microsoft.com/office/2006/metadata/properties" xmlns:xsi="http://www.w3.org/2001/XMLSchema-instance" xmlns:pc="http://schemas.microsoft.com/office/infopath/2007/PartnerControls">
+  <documentManagement>
+    <Status xmlns="71af3243-3dd4-4a8d-8c0d-dd76da1f02a5">Not started</Status>
+    <_ip_UnifiedCompliancePolicyUIAction xmlns="http://schemas.microsoft.com/sharepoint/v3" xsi:nil="true"/>
+    <Image xmlns="71af3243-3dd4-4a8d-8c0d-dd76da1f02a5">
+      <Url xsi:nil="true"/>
+      <Description xsi:nil="true"/>
+    </Image>
+    <_ip_UnifiedCompliancePolicyProperties xmlns="http://schemas.microsoft.com/sharepoint/v3" xsi:nil="true"/>
+    <ImageTagsTaxHTField xmlns="71af3243-3dd4-4a8d-8c0d-dd76da1f02a5">
+      <Terms xmlns="http://schemas.microsoft.com/office/infopath/2007/PartnerControls"/>
+    </ImageTagsTaxHTField>
+    <TaxCatchAll xmlns="230e9df3-be65-4c73-a93b-d1236ebd677e"/>
+    <MediaServiceKeyPoints xmlns="71af3243-3dd4-4a8d-8c0d-dd76da1f02a5" xsi:nil="true"/>
+  </documentManagement>
+</p:properties>
+</file>
+
+<file path=customXml/item2.xml><?xml version="1.0" encoding="utf-8"?>
 <ct:contentTypeSchema xmlns:ct="http://schemas.microsoft.com/office/2006/metadata/contentType" xmlns:ma="http://schemas.microsoft.com/office/2006/metadata/properties/metaAttributes" ct:_="" ma:_="" ma:contentTypeName="Document" ma:contentTypeID="0x01010079F111ED35F8CC479449609E8A0923A6" ma:contentTypeVersion="20" ma:contentTypeDescription="Create a new document." ma:contentTypeScope="" ma:versionID="1267097ee5f5874adfcc408041ae252e">
   <xsd:schema xmlns:xsd="http://www.w3.org/2001/XMLSchema" xmlns:xs="http://www.w3.org/2001/XMLSchema" xmlns:p="http://schemas.microsoft.com/office/2006/metadata/properties" xmlns:ns1="http://schemas.microsoft.com/sharepoint/v3" xmlns:ns2="71af3243-3dd4-4a8d-8c0d-dd76da1f02a5" xmlns:ns3="16c05727-aa75-4e4a-9b5f-8a80a1165891" xmlns:ns4="230e9df3-be65-4c73-a93b-d1236ebd677e" targetNamespace="http://schemas.microsoft.com/office/2006/metadata/properties" ma:root="true" ma:fieldsID="395891a93df65b14727750f2c06c306c" ns1:_="" ns2:_="" ns3:_="" ns4:_="">
     <xsd:import namespace="http://schemas.microsoft.com/sharepoint/v3"/>
@@ -19248,25 +19213,6 @@
 </ct:contentTypeSchema>
 </file>
 
-<file path=customXml/item2.xml><?xml version="1.0" encoding="utf-8"?>
-<p:properties xmlns:p="http://schemas.microsoft.com/office/2006/metadata/properties" xmlns:xsi="http://www.w3.org/2001/XMLSchema-instance" xmlns:pc="http://schemas.microsoft.com/office/infopath/2007/PartnerControls">
-  <documentManagement>
-    <Status xmlns="71af3243-3dd4-4a8d-8c0d-dd76da1f02a5">Not started</Status>
-    <_ip_UnifiedCompliancePolicyUIAction xmlns="http://schemas.microsoft.com/sharepoint/v3" xsi:nil="true"/>
-    <Image xmlns="71af3243-3dd4-4a8d-8c0d-dd76da1f02a5">
-      <Url xsi:nil="true"/>
-      <Description xsi:nil="true"/>
-    </Image>
-    <_ip_UnifiedCompliancePolicyProperties xmlns="http://schemas.microsoft.com/sharepoint/v3" xsi:nil="true"/>
-    <ImageTagsTaxHTField xmlns="71af3243-3dd4-4a8d-8c0d-dd76da1f02a5">
-      <Terms xmlns="http://schemas.microsoft.com/office/infopath/2007/PartnerControls"/>
-    </ImageTagsTaxHTField>
-    <TaxCatchAll xmlns="230e9df3-be65-4c73-a93b-d1236ebd677e"/>
-    <MediaServiceKeyPoints xmlns="71af3243-3dd4-4a8d-8c0d-dd76da1f02a5" xsi:nil="true"/>
-  </documentManagement>
-</p:properties>
-</file>
-
 <file path=customXml/item3.xml><?xml version="1.0" encoding="utf-8"?>
 <?mso-contentType ?>
 <FormTemplates xmlns="http://schemas.microsoft.com/sharepoint/v3/contenttype/forms">
@@ -19277,6 +19223,18 @@
 </file>
 
 <file path=customXml/itemProps1.xml><?xml version="1.0" encoding="utf-8"?>
+<ds:datastoreItem xmlns:ds="http://schemas.openxmlformats.org/officeDocument/2006/customXml" ds:itemID="{08757C30-AE9A-4680-90EB-19D282EC2B7C}">
+  <ds:schemaRefs>
+    <ds:schemaRef ds:uri="http://schemas.microsoft.com/office/2006/metadata/properties"/>
+    <ds:schemaRef ds:uri="http://schemas.microsoft.com/office/infopath/2007/PartnerControls"/>
+    <ds:schemaRef ds:uri="71af3243-3dd4-4a8d-8c0d-dd76da1f02a5"/>
+    <ds:schemaRef ds:uri="http://schemas.microsoft.com/sharepoint/v3"/>
+    <ds:schemaRef ds:uri="230e9df3-be65-4c73-a93b-d1236ebd677e"/>
+  </ds:schemaRefs>
+</ds:datastoreItem>
+</file>
+
+<file path=customXml/itemProps2.xml><?xml version="1.0" encoding="utf-8"?>
 <ds:datastoreItem xmlns:ds="http://schemas.openxmlformats.org/officeDocument/2006/customXml" ds:itemID="{0AF0BF08-C674-44E3-8BFC-85BC65E095F1}">
   <ds:schemaRefs>
     <ds:schemaRef ds:uri="http://schemas.microsoft.com/office/2006/metadata/contentType"/>
@@ -19297,18 +19255,6 @@
 </ds:datastoreItem>
 </file>
 
-<file path=customXml/itemProps2.xml><?xml version="1.0" encoding="utf-8"?>
-<ds:datastoreItem xmlns:ds="http://schemas.openxmlformats.org/officeDocument/2006/customXml" ds:itemID="{08757C30-AE9A-4680-90EB-19D282EC2B7C}">
-  <ds:schemaRefs>
-    <ds:schemaRef ds:uri="http://schemas.microsoft.com/office/2006/metadata/properties"/>
-    <ds:schemaRef ds:uri="http://schemas.microsoft.com/office/infopath/2007/PartnerControls"/>
-    <ds:schemaRef ds:uri="71af3243-3dd4-4a8d-8c0d-dd76da1f02a5"/>
-    <ds:schemaRef ds:uri="http://schemas.microsoft.com/sharepoint/v3"/>
-    <ds:schemaRef ds:uri="230e9df3-be65-4c73-a93b-d1236ebd677e"/>
-  </ds:schemaRefs>
-</ds:datastoreItem>
-</file>
-
 <file path=customXml/itemProps3.xml><?xml version="1.0" encoding="utf-8"?>
 <ds:datastoreItem xmlns:ds="http://schemas.openxmlformats.org/officeDocument/2006/customXml" ds:itemID="{A5CCB28C-7D26-4A36-9CFC-D739C28F3D18}">
   <ds:schemaRefs>

--- a/ITech_GP.pptx
+++ b/ITech_GP.pptx
@@ -140,7 +140,7 @@
 <file path=ppt/charts/chart1.xml><?xml version="1.0" encoding="utf-8"?>
 <c:chartSpace xmlns:c="http://schemas.openxmlformats.org/drawingml/2006/chart" xmlns:a="http://schemas.openxmlformats.org/drawingml/2006/main" xmlns:r="http://schemas.openxmlformats.org/officeDocument/2006/relationships" xmlns:c16r2="http://schemas.microsoft.com/office/drawing/2015/06/chart">
   <c:date1904 val="0"/>
-  <c:lang val="en-GB"/>
+  <c:lang val="en-US"/>
   <c:roundedCorners val="0"/>
   <mc:AlternateContent xmlns:mc="http://schemas.openxmlformats.org/markup-compatibility/2006">
     <mc:Choice xmlns:c14="http://schemas.microsoft.com/office/drawing/2007/8/2/chart" Requires="c14">
@@ -16797,43 +16797,103 @@
       </p:sp>
       <p:sp>
         <p:nvSpPr>
-          <p:cNvPr id="18" name="TextBox 17">
-            <a:extLst>
-              <a:ext uri="{FF2B5EF4-FFF2-40B4-BE49-F238E27FC236}">
-                <a16:creationId xmlns:a16="http://schemas.microsoft.com/office/drawing/2014/main" id="{2A11F454-C1DE-9EA7-DA63-CF7DA1837D1B}"/>
-              </a:ext>
-            </a:extLst>
-          </p:cNvPr>
-          <p:cNvSpPr txBox="1"/>
-          <p:nvPr/>
-        </p:nvSpPr>
-        <p:spPr>
-          <a:xfrm>
-            <a:off x="167816" y="1182330"/>
-            <a:ext cx="11823016" cy="5355312"/>
-          </a:xfrm>
-          <a:prstGeom prst="rect">
-            <a:avLst/>
-          </a:prstGeom>
-          <a:noFill/>
-        </p:spPr>
-        <p:txBody>
-          <a:bodyPr wrap="square">
-            <a:spAutoFit/>
+          <p:cNvPr id="2" name="Text Placeholder 13">
+            <a:extLst>
+              <a:ext uri="{FF2B5EF4-FFF2-40B4-BE49-F238E27FC236}">
+                <a16:creationId xmlns:a16="http://schemas.microsoft.com/office/drawing/2014/main" id="{61DE25EC-0A13-3B65-B371-522D8F9E18E9}"/>
+              </a:ext>
+            </a:extLst>
+          </p:cNvPr>
+          <p:cNvSpPr>
+            <a:spLocks noGrp="1"/>
+          </p:cNvSpPr>
+          <p:nvPr>
+            <p:ph type="body" sz="quarter" idx="14"/>
+          </p:nvPr>
+        </p:nvSpPr>
+        <p:spPr>
+          <a:xfrm>
+            <a:off x="1209243" y="1764139"/>
+            <a:ext cx="4756714" cy="597604"/>
+          </a:xfrm>
+        </p:spPr>
+        <p:txBody>
+          <a:bodyPr rtlCol="0"/>
+          <a:lstStyle/>
+          <a:p>
+            <a:pPr rtl="0"/>
+            <a:r>
+              <a:rPr lang="en-GB" dirty="0"/>
+              <a:t>Alan (Tutor)</a:t>
+            </a:r>
+          </a:p>
+        </p:txBody>
+      </p:sp>
+      <p:sp>
+        <p:nvSpPr>
+          <p:cNvPr id="3" name="Content Placeholder 12">
+            <a:extLst>
+              <a:ext uri="{FF2B5EF4-FFF2-40B4-BE49-F238E27FC236}">
+                <a16:creationId xmlns:a16="http://schemas.microsoft.com/office/drawing/2014/main" id="{5A1E4A67-273A-70EC-F926-6B6C8CB91893}"/>
+              </a:ext>
+            </a:extLst>
+          </p:cNvPr>
+          <p:cNvSpPr>
+            <a:spLocks noGrp="1"/>
+          </p:cNvSpPr>
+          <p:nvPr>
+            <p:ph type="body" sz="quarter" idx="17"/>
+          </p:nvPr>
+        </p:nvSpPr>
+        <p:spPr>
+          <a:xfrm>
+            <a:off x="1209243" y="2374900"/>
+            <a:ext cx="4756714" cy="3365500"/>
+          </a:xfrm>
+        </p:spPr>
+        <p:txBody>
+          <a:bodyPr rtlCol="0">
+            <a:normAutofit fontScale="77500" lnSpcReduction="20000"/>
           </a:bodyPr>
           <a:lstStyle/>
           <a:p>
             <a:pPr rtl="0"/>
             <a:r>
               <a:rPr lang="en-GB" dirty="0"/>
-              <a:t>User authentication: The platform should provide the users; students and tutors a management system to login or register using google or a registration form. The user should be able to register as a student or a tutor.</a:t>
+              <a:t>User should be able to login or register using google or a registration form.</a:t>
             </a:r>
           </a:p>
           <a:p>
             <a:pPr rtl="0"/>
             <a:r>
               <a:rPr lang="en-GB" dirty="0"/>
-              <a:t>User based dashboard: The platform should distinguish between a tutor and a student, with access being given to the student for only the student specific pages.</a:t>
+              <a:t>User should be able to register as a tutor.</a:t>
+            </a:r>
+          </a:p>
+          <a:p>
+            <a:pPr rtl="0"/>
+            <a:r>
+              <a:rPr lang="en-GB" dirty="0"/>
+              <a:t>User should be able to create a new course and add pre-existing courses.</a:t>
+            </a:r>
+          </a:p>
+          <a:p>
+            <a:pPr rtl="0"/>
+            <a:r>
+              <a:rPr lang="en-GB" dirty="0"/>
+              <a:t>User should be able to publish course materials including slides, pdfs, images and videos.</a:t>
+            </a:r>
+          </a:p>
+          <a:p>
+            <a:r>
+              <a:rPr lang="en-GB" dirty="0"/>
+              <a:t>User should be able to add a blog containing an overview of each course.</a:t>
+            </a:r>
+          </a:p>
+          <a:p>
+            <a:r>
+              <a:rPr lang="en-GB" dirty="0"/>
+              <a:t>User should have access to forums for providing important updates regarding the course and for clearing doubts.</a:t>
             </a:r>
           </a:p>
           <a:p>
@@ -16842,10 +16902,7 @@
           </a:p>
           <a:p>
             <a:pPr rtl="0"/>
-            <a:r>
-              <a:rPr lang="en-GB" dirty="0"/>
-              <a:t>Course management: The platform should have a user-friendly environment that allows the tutors to create a course, add pre-existing courses, and publish course materials including slides, pdfs, images and videos.</a:t>
-            </a:r>
+            <a:endParaRPr lang="en-GB" dirty="0"/>
           </a:p>
           <a:p>
             <a:pPr rtl="0"/>
@@ -16853,44 +16910,126 @@
           </a:p>
           <a:p>
             <a:pPr rtl="0"/>
+            <a:endParaRPr lang="en-GB" dirty="0"/>
+          </a:p>
+        </p:txBody>
+      </p:sp>
+      <p:sp>
+        <p:nvSpPr>
+          <p:cNvPr id="4" name="Text Placeholder 15">
+            <a:extLst>
+              <a:ext uri="{FF2B5EF4-FFF2-40B4-BE49-F238E27FC236}">
+                <a16:creationId xmlns:a16="http://schemas.microsoft.com/office/drawing/2014/main" id="{1458FACE-D8BF-6D74-05E7-15DA8DB1ECDD}"/>
+              </a:ext>
+            </a:extLst>
+          </p:cNvPr>
+          <p:cNvSpPr>
+            <a:spLocks noGrp="1"/>
+          </p:cNvSpPr>
+          <p:nvPr>
+            <p:ph type="body" sz="quarter" idx="16"/>
+          </p:nvPr>
+        </p:nvSpPr>
+        <p:spPr>
+          <a:xfrm>
+            <a:off x="6257467" y="1764031"/>
+            <a:ext cx="4756714" cy="597604"/>
+          </a:xfrm>
+        </p:spPr>
+        <p:txBody>
+          <a:bodyPr rtlCol="0"/>
+          <a:lstStyle/>
+          <a:p>
+            <a:pPr rtl="0"/>
             <a:r>
               <a:rPr lang="en-GB" dirty="0"/>
-              <a:t>Course accessibility: The platform should provide the student access to view all the course material and submit course work.</a:t>
-            </a:r>
-          </a:p>
+              <a:t>Daniel (Student)</a:t>
+            </a:r>
+          </a:p>
+        </p:txBody>
+      </p:sp>
+      <p:sp>
+        <p:nvSpPr>
+          <p:cNvPr id="5" name="Content Placeholder 14">
+            <a:extLst>
+              <a:ext uri="{FF2B5EF4-FFF2-40B4-BE49-F238E27FC236}">
+                <a16:creationId xmlns:a16="http://schemas.microsoft.com/office/drawing/2014/main" id="{CA093452-69C2-A76E-0F8E-0ACFED6F4324}"/>
+              </a:ext>
+            </a:extLst>
+          </p:cNvPr>
+          <p:cNvSpPr>
+            <a:spLocks noGrp="1"/>
+          </p:cNvSpPr>
+          <p:nvPr>
+            <p:ph type="body" sz="quarter" idx="18"/>
+          </p:nvPr>
+        </p:nvSpPr>
+        <p:spPr>
+          <a:xfrm>
+            <a:off x="6257467" y="2374900"/>
+            <a:ext cx="4756714" cy="3978910"/>
+          </a:xfrm>
+        </p:spPr>
+        <p:txBody>
+          <a:bodyPr rtlCol="0">
+            <a:normAutofit fontScale="85000" lnSpcReduction="20000"/>
+          </a:bodyPr>
+          <a:lstStyle/>
           <a:p>
             <a:pPr rtl="0"/>
-            <a:endParaRPr lang="en-GB" dirty="0"/>
+            <a:r>
+              <a:rPr lang="en-GB" sz="1600" dirty="0"/>
+              <a:t>User should be able to login or register using google or a registration form.</a:t>
+            </a:r>
           </a:p>
           <a:p>
             <a:pPr rtl="0"/>
             <a:r>
-              <a:rPr lang="en-GB" dirty="0"/>
-              <a:t>Personalization: The platform should provide the student the option to enrol for more than 1 course at a time and track the progress of each course.</a:t>
+              <a:rPr lang="en-GB" sz="1600" dirty="0"/>
+              <a:t>User should be able to register as a student.</a:t>
             </a:r>
           </a:p>
           <a:p>
             <a:pPr rtl="0"/>
-            <a:endParaRPr lang="en-GB" dirty="0"/>
+            <a:r>
+              <a:rPr lang="en-GB" sz="1600" dirty="0"/>
+              <a:t>The platform should be able to distinguish between the tutor and the student, with access being given to the student user for only the student specific pages.</a:t>
+            </a:r>
           </a:p>
           <a:p>
             <a:pPr rtl="0"/>
             <a:r>
-              <a:rPr lang="en-GB" dirty="0"/>
-              <a:t>Interactive learning: The courses within the platform should include various tools for learning such as forums for posting questions and a blog with an overview of the course.</a:t>
+              <a:rPr lang="en-GB" sz="1600" dirty="0"/>
+              <a:t>User should be able to access all the course material.</a:t>
             </a:r>
           </a:p>
           <a:p>
             <a:pPr rtl="0"/>
-            <a:endParaRPr lang="en-GB" dirty="0"/>
+            <a:r>
+              <a:rPr lang="en-GB" sz="1600" dirty="0"/>
+              <a:t>User should be able to submit course work provided under a given course.</a:t>
+            </a:r>
           </a:p>
           <a:p>
             <a:pPr rtl="0"/>
-            <a:endParaRPr lang="en-GB" dirty="0"/>
+            <a:r>
+              <a:rPr lang="en-GB" sz="1600" dirty="0"/>
+              <a:t>User should be able to enrol in more than one course at a given time.</a:t>
+            </a:r>
           </a:p>
           <a:p>
             <a:pPr rtl="0"/>
-            <a:endParaRPr lang="en-GB" dirty="0"/>
+            <a:r>
+              <a:rPr lang="en-GB" sz="1600" dirty="0"/>
+              <a:t>User should be able to track the progress of each course.</a:t>
+            </a:r>
+          </a:p>
+          <a:p>
+            <a:pPr rtl="0"/>
+            <a:r>
+              <a:rPr lang="en-GB" sz="1600" dirty="0"/>
+              <a:t>User should have access to forums for discussion and  posting questions </a:t>
+            </a:r>
           </a:p>
         </p:txBody>
       </p:sp>
@@ -18919,22 +19058,12 @@
 </file>
 
 <file path=customXml/item1.xml><?xml version="1.0" encoding="utf-8"?>
-<p:properties xmlns:p="http://schemas.microsoft.com/office/2006/metadata/properties" xmlns:xsi="http://www.w3.org/2001/XMLSchema-instance" xmlns:pc="http://schemas.microsoft.com/office/infopath/2007/PartnerControls">
-  <documentManagement>
-    <Status xmlns="71af3243-3dd4-4a8d-8c0d-dd76da1f02a5">Not started</Status>
-    <_ip_UnifiedCompliancePolicyUIAction xmlns="http://schemas.microsoft.com/sharepoint/v3" xsi:nil="true"/>
-    <Image xmlns="71af3243-3dd4-4a8d-8c0d-dd76da1f02a5">
-      <Url xsi:nil="true"/>
-      <Description xsi:nil="true"/>
-    </Image>
-    <_ip_UnifiedCompliancePolicyProperties xmlns="http://schemas.microsoft.com/sharepoint/v3" xsi:nil="true"/>
-    <ImageTagsTaxHTField xmlns="71af3243-3dd4-4a8d-8c0d-dd76da1f02a5">
-      <Terms xmlns="http://schemas.microsoft.com/office/infopath/2007/PartnerControls"/>
-    </ImageTagsTaxHTField>
-    <TaxCatchAll xmlns="230e9df3-be65-4c73-a93b-d1236ebd677e"/>
-    <MediaServiceKeyPoints xmlns="71af3243-3dd4-4a8d-8c0d-dd76da1f02a5" xsi:nil="true"/>
-  </documentManagement>
-</p:properties>
+<?mso-contentType ?>
+<FormTemplates xmlns="http://schemas.microsoft.com/sharepoint/v3/contenttype/forms">
+  <Display>DocumentLibraryForm</Display>
+  <Edit>DocumentLibraryForm</Edit>
+  <New>DocumentLibraryForm</New>
+</FormTemplates>
 </file>
 
 <file path=customXml/item2.xml><?xml version="1.0" encoding="utf-8"?>
@@ -19214,22 +19343,28 @@
 </file>
 
 <file path=customXml/item3.xml><?xml version="1.0" encoding="utf-8"?>
-<?mso-contentType ?>
-<FormTemplates xmlns="http://schemas.microsoft.com/sharepoint/v3/contenttype/forms">
-  <Display>DocumentLibraryForm</Display>
-  <Edit>DocumentLibraryForm</Edit>
-  <New>DocumentLibraryForm</New>
-</FormTemplates>
+<p:properties xmlns:p="http://schemas.microsoft.com/office/2006/metadata/properties" xmlns:xsi="http://www.w3.org/2001/XMLSchema-instance" xmlns:pc="http://schemas.microsoft.com/office/infopath/2007/PartnerControls">
+  <documentManagement>
+    <Status xmlns="71af3243-3dd4-4a8d-8c0d-dd76da1f02a5">Not started</Status>
+    <_ip_UnifiedCompliancePolicyUIAction xmlns="http://schemas.microsoft.com/sharepoint/v3" xsi:nil="true"/>
+    <Image xmlns="71af3243-3dd4-4a8d-8c0d-dd76da1f02a5">
+      <Url xsi:nil="true"/>
+      <Description xsi:nil="true"/>
+    </Image>
+    <_ip_UnifiedCompliancePolicyProperties xmlns="http://schemas.microsoft.com/sharepoint/v3" xsi:nil="true"/>
+    <ImageTagsTaxHTField xmlns="71af3243-3dd4-4a8d-8c0d-dd76da1f02a5">
+      <Terms xmlns="http://schemas.microsoft.com/office/infopath/2007/PartnerControls"/>
+    </ImageTagsTaxHTField>
+    <TaxCatchAll xmlns="230e9df3-be65-4c73-a93b-d1236ebd677e"/>
+    <MediaServiceKeyPoints xmlns="71af3243-3dd4-4a8d-8c0d-dd76da1f02a5" xsi:nil="true"/>
+  </documentManagement>
+</p:properties>
 </file>
 
 <file path=customXml/itemProps1.xml><?xml version="1.0" encoding="utf-8"?>
-<ds:datastoreItem xmlns:ds="http://schemas.openxmlformats.org/officeDocument/2006/customXml" ds:itemID="{08757C30-AE9A-4680-90EB-19D282EC2B7C}">
+<ds:datastoreItem xmlns:ds="http://schemas.openxmlformats.org/officeDocument/2006/customXml" ds:itemID="{A5CCB28C-7D26-4A36-9CFC-D739C28F3D18}">
   <ds:schemaRefs>
-    <ds:schemaRef ds:uri="http://schemas.microsoft.com/office/2006/metadata/properties"/>
-    <ds:schemaRef ds:uri="http://schemas.microsoft.com/office/infopath/2007/PartnerControls"/>
-    <ds:schemaRef ds:uri="71af3243-3dd4-4a8d-8c0d-dd76da1f02a5"/>
-    <ds:schemaRef ds:uri="http://schemas.microsoft.com/sharepoint/v3"/>
-    <ds:schemaRef ds:uri="230e9df3-be65-4c73-a93b-d1236ebd677e"/>
+    <ds:schemaRef ds:uri="http://schemas.microsoft.com/sharepoint/v3/contenttype/forms"/>
   </ds:schemaRefs>
 </ds:datastoreItem>
 </file>
@@ -19256,9 +19391,13 @@
 </file>
 
 <file path=customXml/itemProps3.xml><?xml version="1.0" encoding="utf-8"?>
-<ds:datastoreItem xmlns:ds="http://schemas.openxmlformats.org/officeDocument/2006/customXml" ds:itemID="{A5CCB28C-7D26-4A36-9CFC-D739C28F3D18}">
+<ds:datastoreItem xmlns:ds="http://schemas.openxmlformats.org/officeDocument/2006/customXml" ds:itemID="{08757C30-AE9A-4680-90EB-19D282EC2B7C}">
   <ds:schemaRefs>
-    <ds:schemaRef ds:uri="http://schemas.microsoft.com/sharepoint/v3/contenttype/forms"/>
+    <ds:schemaRef ds:uri="http://schemas.microsoft.com/office/2006/metadata/properties"/>
+    <ds:schemaRef ds:uri="http://schemas.microsoft.com/office/infopath/2007/PartnerControls"/>
+    <ds:schemaRef ds:uri="71af3243-3dd4-4a8d-8c0d-dd76da1f02a5"/>
+    <ds:schemaRef ds:uri="http://schemas.microsoft.com/sharepoint/v3"/>
+    <ds:schemaRef ds:uri="230e9df3-be65-4c73-a93b-d1236ebd677e"/>
   </ds:schemaRefs>
 </ds:datastoreItem>
 </file>

--- a/ITech_GP.pptx
+++ b/ITech_GP.pptx
@@ -140,7 +140,7 @@
 <file path=ppt/charts/chart1.xml><?xml version="1.0" encoding="utf-8"?>
 <c:chartSpace xmlns:c="http://schemas.openxmlformats.org/drawingml/2006/chart" xmlns:a="http://schemas.openxmlformats.org/drawingml/2006/main" xmlns:r="http://schemas.openxmlformats.org/officeDocument/2006/relationships" xmlns:c16r2="http://schemas.microsoft.com/office/drawing/2015/06/chart">
   <c:date1904 val="0"/>
-  <c:lang val="en-US"/>
+  <c:lang val="en-GB"/>
   <c:roundedCorners val="0"/>
   <mc:AlternateContent xmlns:mc="http://schemas.openxmlformats.org/markup-compatibility/2006">
     <mc:Choice xmlns:c14="http://schemas.microsoft.com/office/drawing/2007/8/2/chart" Requires="c14">
@@ -16813,8 +16813,8 @@
         </p:nvSpPr>
         <p:spPr>
           <a:xfrm>
-            <a:off x="1209243" y="1764139"/>
-            <a:ext cx="4756714" cy="597604"/>
+            <a:off x="1209243" y="1299411"/>
+            <a:ext cx="4756714" cy="1062332"/>
           </a:xfrm>
         </p:spPr>
         <p:txBody>
@@ -16824,7 +16824,14 @@
             <a:pPr rtl="0"/>
             <a:r>
               <a:rPr lang="en-GB" dirty="0"/>
-              <a:t>Alan (Tutor)</a:t>
+              <a:t>Alan, 37 </a:t>
+            </a:r>
+          </a:p>
+          <a:p>
+            <a:pPr rtl="0"/>
+            <a:r>
+              <a:rPr lang="en-GB" dirty="0"/>
+              <a:t>Tutor</a:t>
             </a:r>
           </a:p>
         </p:txBody>
@@ -16932,8 +16939,8 @@
         </p:nvSpPr>
         <p:spPr>
           <a:xfrm>
-            <a:off x="6257467" y="1764031"/>
-            <a:ext cx="4756714" cy="597604"/>
+            <a:off x="6257467" y="1299303"/>
+            <a:ext cx="4756714" cy="1062332"/>
           </a:xfrm>
         </p:spPr>
         <p:txBody>
@@ -16943,7 +16950,14 @@
             <a:pPr rtl="0"/>
             <a:r>
               <a:rPr lang="en-GB" dirty="0"/>
-              <a:t>Daniel (Student)</a:t>
+              <a:t>Daniel, 21</a:t>
+            </a:r>
+          </a:p>
+          <a:p>
+            <a:pPr rtl="0"/>
+            <a:r>
+              <a:rPr lang="en-GB" dirty="0"/>
+              <a:t>Student</a:t>
             </a:r>
           </a:p>
         </p:txBody>
@@ -19058,15 +19072,6 @@
 </file>
 
 <file path=customXml/item1.xml><?xml version="1.0" encoding="utf-8"?>
-<?mso-contentType ?>
-<FormTemplates xmlns="http://schemas.microsoft.com/sharepoint/v3/contenttype/forms">
-  <Display>DocumentLibraryForm</Display>
-  <Edit>DocumentLibraryForm</Edit>
-  <New>DocumentLibraryForm</New>
-</FormTemplates>
-</file>
-
-<file path=customXml/item2.xml><?xml version="1.0" encoding="utf-8"?>
 <ct:contentTypeSchema xmlns:ct="http://schemas.microsoft.com/office/2006/metadata/contentType" xmlns:ma="http://schemas.microsoft.com/office/2006/metadata/properties/metaAttributes" ct:_="" ma:_="" ma:contentTypeName="Document" ma:contentTypeID="0x01010079F111ED35F8CC479449609E8A0923A6" ma:contentTypeVersion="20" ma:contentTypeDescription="Create a new document." ma:contentTypeScope="" ma:versionID="1267097ee5f5874adfcc408041ae252e">
   <xsd:schema xmlns:xsd="http://www.w3.org/2001/XMLSchema" xmlns:xs="http://www.w3.org/2001/XMLSchema" xmlns:p="http://schemas.microsoft.com/office/2006/metadata/properties" xmlns:ns1="http://schemas.microsoft.com/sharepoint/v3" xmlns:ns2="71af3243-3dd4-4a8d-8c0d-dd76da1f02a5" xmlns:ns3="16c05727-aa75-4e4a-9b5f-8a80a1165891" xmlns:ns4="230e9df3-be65-4c73-a93b-d1236ebd677e" targetNamespace="http://schemas.microsoft.com/office/2006/metadata/properties" ma:root="true" ma:fieldsID="395891a93df65b14727750f2c06c306c" ns1:_="" ns2:_="" ns3:_="" ns4:_="">
     <xsd:import namespace="http://schemas.microsoft.com/sharepoint/v3"/>
@@ -19342,6 +19347,15 @@
 </ct:contentTypeSchema>
 </file>
 
+<file path=customXml/item2.xml><?xml version="1.0" encoding="utf-8"?>
+<?mso-contentType ?>
+<FormTemplates xmlns="http://schemas.microsoft.com/sharepoint/v3/contenttype/forms">
+  <Display>DocumentLibraryForm</Display>
+  <Edit>DocumentLibraryForm</Edit>
+  <New>DocumentLibraryForm</New>
+</FormTemplates>
+</file>
+
 <file path=customXml/item3.xml><?xml version="1.0" encoding="utf-8"?>
 <p:properties xmlns:p="http://schemas.microsoft.com/office/2006/metadata/properties" xmlns:xsi="http://www.w3.org/2001/XMLSchema-instance" xmlns:pc="http://schemas.microsoft.com/office/infopath/2007/PartnerControls">
   <documentManagement>
@@ -19362,14 +19376,6 @@
 </file>
 
 <file path=customXml/itemProps1.xml><?xml version="1.0" encoding="utf-8"?>
-<ds:datastoreItem xmlns:ds="http://schemas.openxmlformats.org/officeDocument/2006/customXml" ds:itemID="{A5CCB28C-7D26-4A36-9CFC-D739C28F3D18}">
-  <ds:schemaRefs>
-    <ds:schemaRef ds:uri="http://schemas.microsoft.com/sharepoint/v3/contenttype/forms"/>
-  </ds:schemaRefs>
-</ds:datastoreItem>
-</file>
-
-<file path=customXml/itemProps2.xml><?xml version="1.0" encoding="utf-8"?>
 <ds:datastoreItem xmlns:ds="http://schemas.openxmlformats.org/officeDocument/2006/customXml" ds:itemID="{0AF0BF08-C674-44E3-8BFC-85BC65E095F1}">
   <ds:schemaRefs>
     <ds:schemaRef ds:uri="http://schemas.microsoft.com/office/2006/metadata/contentType"/>
@@ -19386,6 +19392,14 @@
     <ds:schemaRef ds:uri="http://purl.org/dc/elements/1.1/"/>
     <ds:schemaRef ds:uri="http://purl.org/dc/terms/"/>
     <ds:schemaRef ds:uri="http://schemas.microsoft.com/internal/obd"/>
+  </ds:schemaRefs>
+</ds:datastoreItem>
+</file>
+
+<file path=customXml/itemProps2.xml><?xml version="1.0" encoding="utf-8"?>
+<ds:datastoreItem xmlns:ds="http://schemas.openxmlformats.org/officeDocument/2006/customXml" ds:itemID="{A5CCB28C-7D26-4A36-9CFC-D739C28F3D18}">
+  <ds:schemaRefs>
+    <ds:schemaRef ds:uri="http://schemas.microsoft.com/sharepoint/v3/contenttype/forms"/>
   </ds:schemaRefs>
 </ds:datastoreItem>
 </file>

--- a/ITech_GP.pptx
+++ b/ITech_GP.pptx
@@ -232,7 +232,7 @@
             <a:pPr rtl="0"/>
             <a:fld id="{91B07DD3-8E0C-4A50-B5FE-ABD362AD454B}" type="datetime1">
               <a:rPr lang="en-GB" smtClean="0"/>
-              <a:t>14/02/2023</a:t>
+              <a:t>15/02/2023</a:t>
             </a:fld>
             <a:endParaRPr lang="en-GB"/>
           </a:p>
@@ -414,7 +414,7 @@
             <a:pPr rtl="0"/>
             <a:fld id="{6CED090A-610C-4D83-921E-93394EF804D0}" type="datetime1">
               <a:rPr lang="en-GB" noProof="0" smtClean="0"/>
-              <a:t>14/02/2023</a:t>
+              <a:t>15/02/2023</a:t>
             </a:fld>
             <a:endParaRPr lang="en-GB" noProof="0"/>
           </a:p>
@@ -9152,70 +9152,44 @@
           <a:lstStyle/>
           <a:p>
             <a:r>
-              <a:rPr lang="en-US" dirty="0"/>
-              <a:t>Overview – </a:t>
-            </a:r>
-            <a:r>
               <a:rPr lang="en-US" dirty="0" err="1"/>
               <a:t>Praharsh</a:t>
             </a:r>
             <a:r>
               <a:rPr lang="en-US" dirty="0"/>
-              <a:t> R Dubey, 2738037</a:t>
+              <a:t> R Dubey, 2738037, 20%, Overview and High-Level System Architecture, Site Map, Wireframes</a:t>
             </a:r>
           </a:p>
           <a:p>
             <a:r>
               <a:rPr lang="en-US" dirty="0"/>
-              <a:t>Specification – Vikram Baruah, 2795941</a:t>
+              <a:t>Vikram Baruah, 2795941, 20%, Specification</a:t>
             </a:r>
           </a:p>
           <a:p>
             <a:r>
               <a:rPr lang="en-US" dirty="0"/>
-              <a:t>ER Diagram – Yin Long, 2751099</a:t>
-            </a:r>
-          </a:p>
-          <a:p>
-            <a:r>
-              <a:rPr lang="en-US" dirty="0"/>
-              <a:t>High-Level System Design – </a:t>
-            </a:r>
-            <a:r>
-              <a:rPr lang="en-US" dirty="0" err="1"/>
-              <a:t>Praharsh</a:t>
-            </a:r>
-            <a:r>
-              <a:rPr lang="en-US" dirty="0"/>
-              <a:t> R Dubey</a:t>
-            </a:r>
-          </a:p>
-          <a:p>
-            <a:r>
-              <a:rPr lang="en-US" dirty="0"/>
-              <a:t>Site Map – </a:t>
-            </a:r>
+              <a:t>Yin Long, 2751099, 20%, ER Diagram </a:t>
+            </a:r>
+          </a:p>
+          <a:p>
             <a:r>
               <a:rPr lang="en-US" dirty="0" err="1"/>
               <a:t>Zhaobo</a:t>
             </a:r>
             <a:r>
               <a:rPr lang="en-US" dirty="0"/>
-              <a:t> Guo, 2815951</a:t>
-            </a:r>
-          </a:p>
-          <a:p>
-            <a:r>
-              <a:rPr lang="en-US" dirty="0"/>
-              <a:t>Wireframes – </a:t>
-            </a:r>
+              <a:t> Guo, 2815951, 20%, Site Map</a:t>
+            </a:r>
+          </a:p>
+          <a:p>
             <a:r>
               <a:rPr lang="en-US" dirty="0" err="1"/>
               <a:t>Yifan</a:t>
             </a:r>
             <a:r>
               <a:rPr lang="en-US" dirty="0"/>
-              <a:t> Guo, 2721370</a:t>
+              <a:t> Guo, 2721370, 20%, Wireframes</a:t>
             </a:r>
           </a:p>
           <a:p>
@@ -10530,7 +10504,7 @@
         </p:nvSpPr>
         <p:spPr>
           <a:xfrm>
-            <a:off x="1209243" y="1299411"/>
+            <a:off x="241399" y="1138422"/>
             <a:ext cx="4756714" cy="1062332"/>
           </a:xfrm>
         </p:spPr>
@@ -10571,8 +10545,8 @@
         </p:nvSpPr>
         <p:spPr>
           <a:xfrm>
-            <a:off x="1209243" y="2374900"/>
-            <a:ext cx="4756714" cy="3365500"/>
+            <a:off x="281630" y="2035241"/>
+            <a:ext cx="4756714" cy="3676984"/>
           </a:xfrm>
         </p:spPr>
         <p:txBody>
@@ -10584,40 +10558,41 @@
             <a:pPr rtl="0"/>
             <a:r>
               <a:rPr lang="en-GB" dirty="0"/>
-              <a:t>User should be able to login or register using google or a registration form.</a:t>
+              <a:t>Tutor should be able to login or register using google authentication or a registration form.</a:t>
             </a:r>
           </a:p>
           <a:p>
             <a:pPr rtl="0"/>
             <a:r>
               <a:rPr lang="en-GB" dirty="0"/>
-              <a:t>User should be able to register as a tutor.</a:t>
+              <a:t>Tutor should be able to register as a tutor.</a:t>
             </a:r>
           </a:p>
           <a:p>
             <a:pPr rtl="0"/>
             <a:r>
               <a:rPr lang="en-GB" dirty="0"/>
-              <a:t>User should be able to create a new course and add pre-existing courses.</a:t>
+              <a:t>Tutor should be able to see their courses and be able to add new courses.</a:t>
             </a:r>
           </a:p>
           <a:p>
             <a:pPr rtl="0"/>
             <a:r>
               <a:rPr lang="en-GB" dirty="0"/>
-              <a:t>User should be able to publish course materials including slides, pdfs, images and videos.</a:t>
-            </a:r>
-          </a:p>
-          <a:p>
+              <a:t>Tutor should be able to add a description for a new course.</a:t>
+            </a:r>
+          </a:p>
+          <a:p>
+            <a:pPr rtl="0"/>
             <a:r>
               <a:rPr lang="en-GB" dirty="0"/>
-              <a:t>User should be able to add a blog containing an overview of each course.</a:t>
+              <a:t>Tutor should be able to publish course materials including slides, pdfs, images and video.</a:t>
             </a:r>
           </a:p>
           <a:p>
             <a:r>
               <a:rPr lang="en-GB" dirty="0"/>
-              <a:t>User should have access to forums for providing important updates regarding the course and for clearing doubts.</a:t>
+              <a:t>Tutor should have access to forums for providing important updates regarding the course and for clearing doubts.</a:t>
             </a:r>
           </a:p>
           <a:p>
@@ -10656,7 +10631,7 @@
         </p:nvSpPr>
         <p:spPr>
           <a:xfrm>
-            <a:off x="6257467" y="1299303"/>
+            <a:off x="5752140" y="1138422"/>
             <a:ext cx="4756714" cy="1062332"/>
           </a:xfrm>
         </p:spPr>
@@ -10697,27 +10672,27 @@
         </p:nvSpPr>
         <p:spPr>
           <a:xfrm>
-            <a:off x="6257467" y="2374900"/>
-            <a:ext cx="4756714" cy="3978910"/>
+            <a:off x="5752141" y="2035241"/>
+            <a:ext cx="6244787" cy="3676984"/>
           </a:xfrm>
         </p:spPr>
         <p:txBody>
           <a:bodyPr rtlCol="0">
-            <a:normAutofit fontScale="85000" lnSpcReduction="20000"/>
+            <a:noAutofit/>
           </a:bodyPr>
           <a:lstStyle/>
           <a:p>
             <a:pPr rtl="0"/>
             <a:r>
               <a:rPr lang="en-GB" sz="1600" dirty="0"/>
-              <a:t>User should be able to login or register using google or a registration form.</a:t>
+              <a:t>Student should be able to login or register using google authentication or a registration form.</a:t>
             </a:r>
           </a:p>
           <a:p>
             <a:pPr rtl="0"/>
             <a:r>
               <a:rPr lang="en-GB" sz="1600" dirty="0"/>
-              <a:t>User should be able to register as a student.</a:t>
+              <a:t>Student should be able to register as a student.</a:t>
             </a:r>
           </a:p>
           <a:p>
@@ -10731,35 +10706,28 @@
             <a:pPr rtl="0"/>
             <a:r>
               <a:rPr lang="en-GB" sz="1600" dirty="0"/>
-              <a:t>User should be able to access all the course material.</a:t>
+              <a:t>Student should be able to access all the course material.</a:t>
             </a:r>
           </a:p>
           <a:p>
             <a:pPr rtl="0"/>
             <a:r>
               <a:rPr lang="en-GB" sz="1600" dirty="0"/>
-              <a:t>User should be able to submit course work provided under a given course.</a:t>
+              <a:t>Student should be able to submit course work provided under a given course.</a:t>
             </a:r>
           </a:p>
           <a:p>
             <a:pPr rtl="0"/>
             <a:r>
               <a:rPr lang="en-GB" sz="1600" dirty="0"/>
-              <a:t>User should be able to enrol in more than one course at a given time.</a:t>
+              <a:t>Student should be able to enrol in more than one course at a given time.</a:t>
             </a:r>
           </a:p>
           <a:p>
             <a:pPr rtl="0"/>
             <a:r>
               <a:rPr lang="en-GB" sz="1600" dirty="0"/>
-              <a:t>User should be able to track the progress of each course.</a:t>
-            </a:r>
-          </a:p>
-          <a:p>
-            <a:pPr rtl="0"/>
-            <a:r>
-              <a:rPr lang="en-GB" sz="1600" dirty="0"/>
-              <a:t>User should have access to forums for discussion and  posting questions </a:t>
+              <a:t>Student should have access to forums for discussion and  posting questions.</a:t>
             </a:r>
           </a:p>
         </p:txBody>
@@ -11035,10 +11003,10 @@
       </p:grpSpPr>
       <p:pic>
         <p:nvPicPr>
-          <p:cNvPr id="18" name="Picture 17" descr="Diagram&#10;&#10;Description automatically generated">
-            <a:extLst>
-              <a:ext uri="{FF2B5EF4-FFF2-40B4-BE49-F238E27FC236}">
-                <a16:creationId xmlns:a16="http://schemas.microsoft.com/office/drawing/2014/main" id="{D2DC1A9C-668D-DEAB-6C1B-563DFF685E03}"/>
+          <p:cNvPr id="3" name="Picture 2" descr="Diagram&#10;&#10;Description automatically generated">
+            <a:extLst>
+              <a:ext uri="{FF2B5EF4-FFF2-40B4-BE49-F238E27FC236}">
+                <a16:creationId xmlns:a16="http://schemas.microsoft.com/office/drawing/2014/main" id="{EE2EEFC5-79BF-99DF-BD2A-833F4F882333}"/>
               </a:ext>
             </a:extLst>
           </p:cNvPr>
@@ -11055,8 +11023,8 @@
         </p:blipFill>
         <p:spPr>
           <a:xfrm>
-            <a:off x="0" y="1618653"/>
-            <a:ext cx="6931025" cy="3864572"/>
+            <a:off x="-1" y="1179093"/>
+            <a:ext cx="7214145" cy="4066675"/>
           </a:xfrm>
           <a:prstGeom prst="rect">
             <a:avLst/>
@@ -11065,10 +11033,10 @@
       </p:pic>
       <p:pic>
         <p:nvPicPr>
-          <p:cNvPr id="20" name="Picture 19" descr="Diagram, table&#10;&#10;Description automatically generated">
-            <a:extLst>
-              <a:ext uri="{FF2B5EF4-FFF2-40B4-BE49-F238E27FC236}">
-                <a16:creationId xmlns:a16="http://schemas.microsoft.com/office/drawing/2014/main" id="{6B0D2C2F-EE9C-1371-9595-32136191D71A}"/>
+          <p:cNvPr id="5" name="Picture 4" descr="Diagram, table&#10;&#10;Description automatically generated">
+            <a:extLst>
+              <a:ext uri="{FF2B5EF4-FFF2-40B4-BE49-F238E27FC236}">
+                <a16:creationId xmlns:a16="http://schemas.microsoft.com/office/drawing/2014/main" id="{C41F05A5-07DD-5317-F935-99F3067E6A93}"/>
               </a:ext>
             </a:extLst>
           </p:cNvPr>
@@ -11085,8 +11053,8 @@
         </p:blipFill>
         <p:spPr>
           <a:xfrm>
-            <a:off x="7007225" y="1618653"/>
-            <a:ext cx="5003991" cy="3864572"/>
+            <a:off x="6711950" y="1353050"/>
+            <a:ext cx="5817180" cy="4066675"/>
           </a:xfrm>
           <a:prstGeom prst="rect">
             <a:avLst/>
@@ -11385,22 +11353,19 @@
               </a:spcAft>
             </a:pPr>
             <a:r>
-              <a:rPr lang="en-GB" dirty="0" err="1"/>
-              <a:t>Simplify’s</a:t>
-            </a:r>
-            <a:r>
-              <a:rPr lang="en-GB" dirty="0"/>
-              <a:t> Design Specification</a:t>
-            </a:r>
+              <a:rPr lang="en-GB"/>
+              <a:t>Simplify’s Design Specification</a:t>
+            </a:r>
+            <a:endParaRPr lang="en-GB" dirty="0"/>
           </a:p>
         </p:txBody>
       </p:sp>
       <p:pic>
         <p:nvPicPr>
-          <p:cNvPr id="18" name="Picture 17" descr="Diagram&#10;&#10;Description automatically generated">
-            <a:extLst>
-              <a:ext uri="{FF2B5EF4-FFF2-40B4-BE49-F238E27FC236}">
-                <a16:creationId xmlns:a16="http://schemas.microsoft.com/office/drawing/2014/main" id="{CD990B49-C44C-5094-0622-7F3DC7E5FB9A}"/>
+          <p:cNvPr id="3" name="Picture 2" descr="Diagram&#10;&#10;Description automatically generated">
+            <a:extLst>
+              <a:ext uri="{FF2B5EF4-FFF2-40B4-BE49-F238E27FC236}">
+                <a16:creationId xmlns:a16="http://schemas.microsoft.com/office/drawing/2014/main" id="{DFCD20F4-E63A-90EC-71D9-835ECB03BB3F}"/>
               </a:ext>
             </a:extLst>
           </p:cNvPr>
@@ -11417,8 +11382,8 @@
         </p:blipFill>
         <p:spPr>
           <a:xfrm>
-            <a:off x="3127007" y="0"/>
-            <a:ext cx="8554453" cy="6926496"/>
+            <a:off x="3092115" y="0"/>
+            <a:ext cx="7892717" cy="6787735"/>
           </a:xfrm>
           <a:prstGeom prst="rect">
             <a:avLst/>
@@ -11426,6 +11391,49 @@
           <a:noFill/>
         </p:spPr>
       </p:pic>
+      <p:sp>
+        <p:nvSpPr>
+          <p:cNvPr id="40" name="Date Placeholder 4">
+            <a:extLst>
+              <a:ext uri="{FF2B5EF4-FFF2-40B4-BE49-F238E27FC236}">
+                <a16:creationId xmlns:a16="http://schemas.microsoft.com/office/drawing/2014/main" id="{74BB7ECE-EB8A-25BC-FCD4-6B816311DDB4}"/>
+              </a:ext>
+            </a:extLst>
+          </p:cNvPr>
+          <p:cNvSpPr>
+            <a:spLocks noGrp="1"/>
+          </p:cNvSpPr>
+          <p:nvPr>
+            <p:ph type="dt" sz="half" idx="10"/>
+          </p:nvPr>
+        </p:nvSpPr>
+        <p:spPr>
+          <a:xfrm>
+            <a:off x="7013448" y="6355080"/>
+            <a:ext cx="4352544" cy="365125"/>
+          </a:xfrm>
+        </p:spPr>
+        <p:txBody>
+          <a:bodyPr/>
+          <a:lstStyle/>
+          <a:p>
+            <a:pPr rtl="0">
+              <a:spcAft>
+                <a:spcPts val="600"/>
+              </a:spcAft>
+              <a:defRPr/>
+            </a:pPr>
+            <a:r>
+              <a:rPr lang="en-GB" noProof="0" dirty="0">
+                <a:solidFill>
+                  <a:prstClr val="black"/>
+                </a:solidFill>
+              </a:rPr>
+              <a:t>2023</a:t>
+            </a:r>
+          </a:p>
+        </p:txBody>
+      </p:sp>
       <p:sp>
         <p:nvSpPr>
           <p:cNvPr id="8" name="Slide Number Placeholder 7">
@@ -12553,6 +12561,15 @@
 </file>
 
 <file path=customXml/item1.xml><?xml version="1.0" encoding="utf-8"?>
+<?mso-contentType ?>
+<FormTemplates xmlns="http://schemas.microsoft.com/sharepoint/v3/contenttype/forms">
+  <Display>DocumentLibraryForm</Display>
+  <Edit>DocumentLibraryForm</Edit>
+  <New>DocumentLibraryForm</New>
+</FormTemplates>
+</file>
+
+<file path=customXml/item2.xml><?xml version="1.0" encoding="utf-8"?>
 <p:properties xmlns:p="http://schemas.microsoft.com/office/2006/metadata/properties" xmlns:xsi="http://www.w3.org/2001/XMLSchema-instance" xmlns:pc="http://schemas.microsoft.com/office/infopath/2007/PartnerControls">
   <documentManagement>
     <Status xmlns="71af3243-3dd4-4a8d-8c0d-dd76da1f02a5">Not started</Status>
@@ -12569,15 +12586,6 @@
     <MediaServiceKeyPoints xmlns="71af3243-3dd4-4a8d-8c0d-dd76da1f02a5" xsi:nil="true"/>
   </documentManagement>
 </p:properties>
-</file>
-
-<file path=customXml/item2.xml><?xml version="1.0" encoding="utf-8"?>
-<?mso-contentType ?>
-<FormTemplates xmlns="http://schemas.microsoft.com/sharepoint/v3/contenttype/forms">
-  <Display>DocumentLibraryForm</Display>
-  <Edit>DocumentLibraryForm</Edit>
-  <New>DocumentLibraryForm</New>
-</FormTemplates>
 </file>
 
 <file path=customXml/item3.xml><?xml version="1.0" encoding="utf-8"?>
@@ -12857,6 +12865,14 @@
 </file>
 
 <file path=customXml/itemProps1.xml><?xml version="1.0" encoding="utf-8"?>
+<ds:datastoreItem xmlns:ds="http://schemas.openxmlformats.org/officeDocument/2006/customXml" ds:itemID="{A5CCB28C-7D26-4A36-9CFC-D739C28F3D18}">
+  <ds:schemaRefs>
+    <ds:schemaRef ds:uri="http://schemas.microsoft.com/sharepoint/v3/contenttype/forms"/>
+  </ds:schemaRefs>
+</ds:datastoreItem>
+</file>
+
+<file path=customXml/itemProps2.xml><?xml version="1.0" encoding="utf-8"?>
 <ds:datastoreItem xmlns:ds="http://schemas.openxmlformats.org/officeDocument/2006/customXml" ds:itemID="{08757C30-AE9A-4680-90EB-19D282EC2B7C}">
   <ds:schemaRefs>
     <ds:schemaRef ds:uri="http://schemas.microsoft.com/office/2006/metadata/properties"/>
@@ -12864,14 +12880,6 @@
     <ds:schemaRef ds:uri="71af3243-3dd4-4a8d-8c0d-dd76da1f02a5"/>
     <ds:schemaRef ds:uri="http://schemas.microsoft.com/sharepoint/v3"/>
     <ds:schemaRef ds:uri="230e9df3-be65-4c73-a93b-d1236ebd677e"/>
-  </ds:schemaRefs>
-</ds:datastoreItem>
-</file>
-
-<file path=customXml/itemProps2.xml><?xml version="1.0" encoding="utf-8"?>
-<ds:datastoreItem xmlns:ds="http://schemas.openxmlformats.org/officeDocument/2006/customXml" ds:itemID="{A5CCB28C-7D26-4A36-9CFC-D739C28F3D18}">
-  <ds:schemaRefs>
-    <ds:schemaRef ds:uri="http://schemas.microsoft.com/sharepoint/v3/contenttype/forms"/>
   </ds:schemaRefs>
 </ds:datastoreItem>
 </file>
